--- a/documents/Flowchart/Python_Image_Processing.pptx
+++ b/documents/Flowchart/Python_Image_Processing.pptx
@@ -264,7 +264,7 @@
           <a:p>
             <a:fld id="{1122A385-572D-483C-BA5F-08022D2F4301}" type="datetimeFigureOut">
               <a:rPr lang="en-US" smtClean="0"/>
-              <a:t>12/28/2019</a:t>
+              <a:t>2/3/2020</a:t>
             </a:fld>
             <a:endParaRPr lang="en-US"/>
           </a:p>
@@ -462,7 +462,7 @@
           <a:p>
             <a:fld id="{1122A385-572D-483C-BA5F-08022D2F4301}" type="datetimeFigureOut">
               <a:rPr lang="en-US" smtClean="0"/>
-              <a:t>12/28/2019</a:t>
+              <a:t>2/3/2020</a:t>
             </a:fld>
             <a:endParaRPr lang="en-US"/>
           </a:p>
@@ -670,7 +670,7 @@
           <a:p>
             <a:fld id="{1122A385-572D-483C-BA5F-08022D2F4301}" type="datetimeFigureOut">
               <a:rPr lang="en-US" smtClean="0"/>
-              <a:t>12/28/2019</a:t>
+              <a:t>2/3/2020</a:t>
             </a:fld>
             <a:endParaRPr lang="en-US"/>
           </a:p>
@@ -868,7 +868,7 @@
           <a:p>
             <a:fld id="{1122A385-572D-483C-BA5F-08022D2F4301}" type="datetimeFigureOut">
               <a:rPr lang="en-US" smtClean="0"/>
-              <a:t>12/28/2019</a:t>
+              <a:t>2/3/2020</a:t>
             </a:fld>
             <a:endParaRPr lang="en-US"/>
           </a:p>
@@ -1143,7 +1143,7 @@
           <a:p>
             <a:fld id="{1122A385-572D-483C-BA5F-08022D2F4301}" type="datetimeFigureOut">
               <a:rPr lang="en-US" smtClean="0"/>
-              <a:t>12/28/2019</a:t>
+              <a:t>2/3/2020</a:t>
             </a:fld>
             <a:endParaRPr lang="en-US"/>
           </a:p>
@@ -1408,7 +1408,7 @@
           <a:p>
             <a:fld id="{1122A385-572D-483C-BA5F-08022D2F4301}" type="datetimeFigureOut">
               <a:rPr lang="en-US" smtClean="0"/>
-              <a:t>12/28/2019</a:t>
+              <a:t>2/3/2020</a:t>
             </a:fld>
             <a:endParaRPr lang="en-US"/>
           </a:p>
@@ -1820,7 +1820,7 @@
           <a:p>
             <a:fld id="{1122A385-572D-483C-BA5F-08022D2F4301}" type="datetimeFigureOut">
               <a:rPr lang="en-US" smtClean="0"/>
-              <a:t>12/28/2019</a:t>
+              <a:t>2/3/2020</a:t>
             </a:fld>
             <a:endParaRPr lang="en-US"/>
           </a:p>
@@ -1961,7 +1961,7 @@
           <a:p>
             <a:fld id="{1122A385-572D-483C-BA5F-08022D2F4301}" type="datetimeFigureOut">
               <a:rPr lang="en-US" smtClean="0"/>
-              <a:t>12/28/2019</a:t>
+              <a:t>2/3/2020</a:t>
             </a:fld>
             <a:endParaRPr lang="en-US"/>
           </a:p>
@@ -2074,7 +2074,7 @@
           <a:p>
             <a:fld id="{1122A385-572D-483C-BA5F-08022D2F4301}" type="datetimeFigureOut">
               <a:rPr lang="en-US" smtClean="0"/>
-              <a:t>12/28/2019</a:t>
+              <a:t>2/3/2020</a:t>
             </a:fld>
             <a:endParaRPr lang="en-US"/>
           </a:p>
@@ -2385,7 +2385,7 @@
           <a:p>
             <a:fld id="{1122A385-572D-483C-BA5F-08022D2F4301}" type="datetimeFigureOut">
               <a:rPr lang="en-US" smtClean="0"/>
-              <a:t>12/28/2019</a:t>
+              <a:t>2/3/2020</a:t>
             </a:fld>
             <a:endParaRPr lang="en-US"/>
           </a:p>
@@ -2673,7 +2673,7 @@
           <a:p>
             <a:fld id="{1122A385-572D-483C-BA5F-08022D2F4301}" type="datetimeFigureOut">
               <a:rPr lang="en-US" smtClean="0"/>
-              <a:t>12/28/2019</a:t>
+              <a:t>2/3/2020</a:t>
             </a:fld>
             <a:endParaRPr lang="en-US"/>
           </a:p>
@@ -2914,7 +2914,7 @@
           <a:p>
             <a:fld id="{1122A385-572D-483C-BA5F-08022D2F4301}" type="datetimeFigureOut">
               <a:rPr lang="en-US" smtClean="0"/>
-              <a:t>12/28/2019</a:t>
+              <a:t>2/3/2020</a:t>
             </a:fld>
             <a:endParaRPr lang="en-US"/>
           </a:p>
@@ -6355,241 +6355,6 @@
           </a:p>
         </p:txBody>
       </p:sp>
-      <p:sp>
-        <p:nvSpPr>
-          <p:cNvPr id="15" name="TextBox 14">
-            <a:extLst>
-              <a:ext uri="{FF2B5EF4-FFF2-40B4-BE49-F238E27FC236}">
-                <a16:creationId xmlns:a16="http://schemas.microsoft.com/office/drawing/2014/main" id="{CC3DE799-DE1D-4128-9165-8CE7A7D5AF0C}"/>
-              </a:ext>
-            </a:extLst>
-          </p:cNvPr>
-          <p:cNvSpPr txBox="1"/>
-          <p:nvPr/>
-        </p:nvSpPr>
-        <p:spPr>
-          <a:xfrm>
-            <a:off x="5959875" y="2822730"/>
-            <a:ext cx="6232125" cy="3139321"/>
-          </a:xfrm>
-          <a:prstGeom prst="rect">
-            <a:avLst/>
-          </a:prstGeom>
-          <a:noFill/>
-        </p:spPr>
-        <p:txBody>
-          <a:bodyPr wrap="square" rtlCol="0">
-            <a:spAutoFit/>
-          </a:bodyPr>
-          <a:lstStyle/>
-          <a:p>
-            <a:r>
-              <a:rPr lang="en-US" dirty="0"/>
-              <a:t>Model:</a:t>
-            </a:r>
-          </a:p>
-          <a:p>
-            <a:r>
-              <a:rPr lang="en-US" dirty="0" err="1"/>
-              <a:t>model.add</a:t>
-            </a:r>
-            <a:r>
-              <a:rPr lang="en-US" dirty="0"/>
-              <a:t>(</a:t>
-            </a:r>
-            <a:r>
-              <a:rPr lang="en-US" dirty="0" err="1"/>
-              <a:t>BatchNormalization</a:t>
-            </a:r>
-            <a:r>
-              <a:rPr lang="en-US" dirty="0"/>
-              <a:t>(</a:t>
-            </a:r>
-            <a:r>
-              <a:rPr lang="en-US" dirty="0" err="1"/>
-              <a:t>input_shape</a:t>
-            </a:r>
-            <a:r>
-              <a:rPr lang="en-US" dirty="0"/>
-              <a:t>=(height, width, 3)))</a:t>
-            </a:r>
-          </a:p>
-          <a:p>
-            <a:r>
-              <a:rPr lang="en-US" dirty="0"/>
-              <a:t>   </a:t>
-            </a:r>
-            <a:r>
-              <a:rPr lang="en-US" dirty="0" err="1"/>
-              <a:t>model.add</a:t>
-            </a:r>
-            <a:r>
-              <a:rPr lang="en-US" dirty="0"/>
-              <a:t>(Conv2D(8, (3, 3), activation='</a:t>
-            </a:r>
-            <a:r>
-              <a:rPr lang="en-US" dirty="0" err="1"/>
-              <a:t>relu</a:t>
-            </a:r>
-            <a:r>
-              <a:rPr lang="en-US" dirty="0"/>
-              <a:t>'))</a:t>
-            </a:r>
-          </a:p>
-          <a:p>
-            <a:r>
-              <a:rPr lang="en-US" dirty="0"/>
-              <a:t>   </a:t>
-            </a:r>
-            <a:r>
-              <a:rPr lang="en-US" dirty="0" err="1"/>
-              <a:t>model.add</a:t>
-            </a:r>
-            <a:r>
-              <a:rPr lang="en-US" dirty="0"/>
-              <a:t>(MaxPooling2D(</a:t>
-            </a:r>
-            <a:r>
-              <a:rPr lang="en-US" dirty="0" err="1"/>
-              <a:t>pool_size</a:t>
-            </a:r>
-            <a:r>
-              <a:rPr lang="en-US" dirty="0"/>
-              <a:t>=(2, 2)))</a:t>
-            </a:r>
-          </a:p>
-          <a:p>
-            <a:r>
-              <a:rPr lang="en-US" dirty="0"/>
-              <a:t>   </a:t>
-            </a:r>
-            <a:r>
-              <a:rPr lang="en-US" dirty="0" err="1"/>
-              <a:t>model.add</a:t>
-            </a:r>
-            <a:r>
-              <a:rPr lang="en-US" dirty="0"/>
-              <a:t>(Conv2D(16, (3, 3), activation='</a:t>
-            </a:r>
-            <a:r>
-              <a:rPr lang="en-US" dirty="0" err="1"/>
-              <a:t>relu</a:t>
-            </a:r>
-            <a:r>
-              <a:rPr lang="en-US" dirty="0"/>
-              <a:t>'))</a:t>
-            </a:r>
-          </a:p>
-          <a:p>
-            <a:r>
-              <a:rPr lang="en-US" dirty="0"/>
-              <a:t>   </a:t>
-            </a:r>
-            <a:r>
-              <a:rPr lang="en-US" dirty="0" err="1"/>
-              <a:t>model.add</a:t>
-            </a:r>
-            <a:r>
-              <a:rPr lang="en-US" dirty="0"/>
-              <a:t>(MaxPooling2D(</a:t>
-            </a:r>
-            <a:r>
-              <a:rPr lang="en-US" dirty="0" err="1"/>
-              <a:t>pool_size</a:t>
-            </a:r>
-            <a:r>
-              <a:rPr lang="en-US" dirty="0"/>
-              <a:t>=(2, 2)))</a:t>
-            </a:r>
-          </a:p>
-          <a:p>
-            <a:r>
-              <a:rPr lang="en-US" dirty="0"/>
-              <a:t>   </a:t>
-            </a:r>
-            <a:r>
-              <a:rPr lang="en-US" dirty="0" err="1"/>
-              <a:t>model.add</a:t>
-            </a:r>
-            <a:r>
-              <a:rPr lang="en-US" dirty="0"/>
-              <a:t>(Conv2D(32, (3, 3), activation='</a:t>
-            </a:r>
-            <a:r>
-              <a:rPr lang="en-US" dirty="0" err="1"/>
-              <a:t>relu</a:t>
-            </a:r>
-            <a:r>
-              <a:rPr lang="en-US" dirty="0"/>
-              <a:t>'))</a:t>
-            </a:r>
-          </a:p>
-          <a:p>
-            <a:r>
-              <a:rPr lang="en-US" dirty="0"/>
-              <a:t>   </a:t>
-            </a:r>
-            <a:r>
-              <a:rPr lang="en-US" dirty="0" err="1"/>
-              <a:t>model.add</a:t>
-            </a:r>
-            <a:r>
-              <a:rPr lang="en-US" dirty="0"/>
-              <a:t>(MaxPooling2D(</a:t>
-            </a:r>
-            <a:r>
-              <a:rPr lang="en-US" dirty="0" err="1"/>
-              <a:t>pool_size</a:t>
-            </a:r>
-            <a:r>
-              <a:rPr lang="en-US" dirty="0"/>
-              <a:t>=(2, 2)))</a:t>
-            </a:r>
-          </a:p>
-          <a:p>
-            <a:r>
-              <a:rPr lang="en-US" dirty="0"/>
-              <a:t>   </a:t>
-            </a:r>
-            <a:r>
-              <a:rPr lang="en-US" dirty="0" err="1"/>
-              <a:t>model.add</a:t>
-            </a:r>
-            <a:r>
-              <a:rPr lang="en-US" dirty="0"/>
-              <a:t>(Flatten())</a:t>
-            </a:r>
-          </a:p>
-          <a:p>
-            <a:r>
-              <a:rPr lang="en-US" dirty="0"/>
-              <a:t>   </a:t>
-            </a:r>
-            <a:r>
-              <a:rPr lang="en-US" dirty="0" err="1"/>
-              <a:t>model.add</a:t>
-            </a:r>
-            <a:r>
-              <a:rPr lang="en-US" dirty="0"/>
-              <a:t>(Dense(256, activation='linear'))</a:t>
-            </a:r>
-          </a:p>
-          <a:p>
-            <a:r>
-              <a:rPr lang="en-US" dirty="0"/>
-              <a:t>   </a:t>
-            </a:r>
-            <a:r>
-              <a:rPr lang="en-US" dirty="0" err="1"/>
-              <a:t>model.add</a:t>
-            </a:r>
-            <a:r>
-              <a:rPr lang="en-US" dirty="0"/>
-              <a:t>(Dense(NUM_CLASSES))</a:t>
-            </a:r>
-          </a:p>
-        </p:txBody>
-      </p:sp>
       <p:cxnSp>
         <p:nvCxnSpPr>
           <p:cNvPr id="17" name="Straight Arrow Connector 16">
@@ -6600,15 +6365,16 @@
             </a:extLst>
           </p:cNvPr>
           <p:cNvCxnSpPr>
+            <a:cxnSpLocks/>
             <a:stCxn id="14" idx="3"/>
-            <a:endCxn id="15" idx="1"/>
+            <a:endCxn id="22" idx="1"/>
           </p:cNvCxnSpPr>
           <p:nvPr/>
         </p:nvCxnSpPr>
         <p:spPr>
           <a:xfrm>
             <a:off x="5239586" y="2598614"/>
-            <a:ext cx="720289" cy="1793777"/>
+            <a:ext cx="995349" cy="1791064"/>
           </a:xfrm>
           <a:prstGeom prst="straightConnector1">
             <a:avLst/>
@@ -6800,6 +6566,442 @@
           </a:fontRef>
         </p:style>
       </p:cxnSp>
+      <p:sp>
+        <p:nvSpPr>
+          <p:cNvPr id="20" name="Rectangle: Rounded Corners 19">
+            <a:extLst>
+              <a:ext uri="{FF2B5EF4-FFF2-40B4-BE49-F238E27FC236}">
+                <a16:creationId xmlns:a16="http://schemas.microsoft.com/office/drawing/2014/main" id="{395E5273-8ACD-44C6-AD91-9B56E2835989}"/>
+              </a:ext>
+            </a:extLst>
+          </p:cNvPr>
+          <p:cNvSpPr/>
+          <p:nvPr/>
+        </p:nvSpPr>
+        <p:spPr>
+          <a:xfrm>
+            <a:off x="6232127" y="3082237"/>
+            <a:ext cx="2526018" cy="448235"/>
+          </a:xfrm>
+          <a:prstGeom prst="roundRect">
+            <a:avLst/>
+          </a:prstGeom>
+          <a:solidFill>
+            <a:schemeClr val="accent2">
+              <a:lumMod val="75000"/>
+            </a:schemeClr>
+          </a:solidFill>
+          <a:ln>
+            <a:noFill/>
+          </a:ln>
+          <a:effectLst>
+            <a:outerShdw blurRad="44450" dist="27940" dir="5400000" algn="ctr">
+              <a:srgbClr val="000000">
+                <a:alpha val="32000"/>
+              </a:srgbClr>
+            </a:outerShdw>
+          </a:effectLst>
+          <a:scene3d>
+            <a:camera prst="orthographicFront">
+              <a:rot lat="0" lon="0" rev="0"/>
+            </a:camera>
+            <a:lightRig rig="balanced" dir="t">
+              <a:rot lat="0" lon="0" rev="8700000"/>
+            </a:lightRig>
+          </a:scene3d>
+          <a:sp3d>
+            <a:bevelT w="190500" h="38100"/>
+          </a:sp3d>
+        </p:spPr>
+        <p:style>
+          <a:lnRef idx="2">
+            <a:schemeClr val="accent1">
+              <a:shade val="50000"/>
+            </a:schemeClr>
+          </a:lnRef>
+          <a:fillRef idx="1">
+            <a:schemeClr val="accent1"/>
+          </a:fillRef>
+          <a:effectRef idx="0">
+            <a:schemeClr val="accent1"/>
+          </a:effectRef>
+          <a:fontRef idx="minor">
+            <a:schemeClr val="lt1"/>
+          </a:fontRef>
+        </p:style>
+        <p:txBody>
+          <a:bodyPr rtlCol="0" anchor="ctr"/>
+          <a:lstStyle/>
+          <a:p>
+            <a:pPr algn="ctr"/>
+            <a:r>
+              <a:rPr lang="en-US" dirty="0"/>
+              <a:t>Conv2D </a:t>
+            </a:r>
+            <a:r>
+              <a:rPr lang="en-US" dirty="0">
+                <a:sym typeface="Wingdings" panose="05000000000000000000" pitchFamily="2" charset="2"/>
+              </a:rPr>
+              <a:t> 8, (3, 3), </a:t>
+            </a:r>
+            <a:r>
+              <a:rPr lang="en-US" dirty="0" err="1">
+                <a:sym typeface="Wingdings" panose="05000000000000000000" pitchFamily="2" charset="2"/>
+              </a:rPr>
+              <a:t>relu</a:t>
+            </a:r>
+            <a:endParaRPr lang="en-US" dirty="0"/>
+          </a:p>
+        </p:txBody>
+      </p:sp>
+      <p:sp>
+        <p:nvSpPr>
+          <p:cNvPr id="22" name="Rectangle: Rounded Corners 21">
+            <a:extLst>
+              <a:ext uri="{FF2B5EF4-FFF2-40B4-BE49-F238E27FC236}">
+                <a16:creationId xmlns:a16="http://schemas.microsoft.com/office/drawing/2014/main" id="{302AE5EC-0EEA-4A51-AD88-EB47BEC7DEB9}"/>
+              </a:ext>
+            </a:extLst>
+          </p:cNvPr>
+          <p:cNvSpPr/>
+          <p:nvPr/>
+        </p:nvSpPr>
+        <p:spPr>
+          <a:xfrm>
+            <a:off x="6234935" y="4165560"/>
+            <a:ext cx="2673354" cy="448235"/>
+          </a:xfrm>
+          <a:prstGeom prst="roundRect">
+            <a:avLst/>
+          </a:prstGeom>
+          <a:solidFill>
+            <a:schemeClr val="accent2">
+              <a:lumMod val="75000"/>
+            </a:schemeClr>
+          </a:solidFill>
+          <a:ln>
+            <a:noFill/>
+          </a:ln>
+          <a:effectLst>
+            <a:outerShdw blurRad="44450" dist="27940" dir="5400000" algn="ctr">
+              <a:srgbClr val="000000">
+                <a:alpha val="32000"/>
+              </a:srgbClr>
+            </a:outerShdw>
+          </a:effectLst>
+          <a:scene3d>
+            <a:camera prst="orthographicFront">
+              <a:rot lat="0" lon="0" rev="0"/>
+            </a:camera>
+            <a:lightRig rig="balanced" dir="t">
+              <a:rot lat="0" lon="0" rev="8700000"/>
+            </a:lightRig>
+          </a:scene3d>
+          <a:sp3d>
+            <a:bevelT w="190500" h="38100"/>
+          </a:sp3d>
+        </p:spPr>
+        <p:style>
+          <a:lnRef idx="2">
+            <a:schemeClr val="accent1">
+              <a:shade val="50000"/>
+            </a:schemeClr>
+          </a:lnRef>
+          <a:fillRef idx="1">
+            <a:schemeClr val="accent1"/>
+          </a:fillRef>
+          <a:effectRef idx="0">
+            <a:schemeClr val="accent1"/>
+          </a:effectRef>
+          <a:fontRef idx="minor">
+            <a:schemeClr val="lt1"/>
+          </a:fontRef>
+        </p:style>
+        <p:txBody>
+          <a:bodyPr rtlCol="0" anchor="ctr"/>
+          <a:lstStyle/>
+          <a:p>
+            <a:pPr algn="ctr"/>
+            <a:r>
+              <a:rPr lang="en-US" dirty="0"/>
+              <a:t>Conv2D </a:t>
+            </a:r>
+            <a:r>
+              <a:rPr lang="en-US" dirty="0">
+                <a:sym typeface="Wingdings" panose="05000000000000000000" pitchFamily="2" charset="2"/>
+              </a:rPr>
+              <a:t> 16, (3, 3), </a:t>
+            </a:r>
+            <a:r>
+              <a:rPr lang="en-US" dirty="0" err="1">
+                <a:sym typeface="Wingdings" panose="05000000000000000000" pitchFamily="2" charset="2"/>
+              </a:rPr>
+              <a:t>relu</a:t>
+            </a:r>
+            <a:endParaRPr lang="en-US" dirty="0"/>
+          </a:p>
+        </p:txBody>
+      </p:sp>
+      <p:sp>
+        <p:nvSpPr>
+          <p:cNvPr id="24" name="Rectangle: Rounded Corners 23">
+            <a:extLst>
+              <a:ext uri="{FF2B5EF4-FFF2-40B4-BE49-F238E27FC236}">
+                <a16:creationId xmlns:a16="http://schemas.microsoft.com/office/drawing/2014/main" id="{ABD0E9C7-A019-4405-BC0E-8BD054C44670}"/>
+              </a:ext>
+            </a:extLst>
+          </p:cNvPr>
+          <p:cNvSpPr/>
+          <p:nvPr/>
+        </p:nvSpPr>
+        <p:spPr>
+          <a:xfrm>
+            <a:off x="6234935" y="5313350"/>
+            <a:ext cx="2673354" cy="448235"/>
+          </a:xfrm>
+          <a:prstGeom prst="roundRect">
+            <a:avLst/>
+          </a:prstGeom>
+          <a:solidFill>
+            <a:schemeClr val="accent2">
+              <a:lumMod val="75000"/>
+            </a:schemeClr>
+          </a:solidFill>
+          <a:ln>
+            <a:noFill/>
+          </a:ln>
+          <a:effectLst>
+            <a:outerShdw blurRad="44450" dist="27940" dir="5400000" algn="ctr">
+              <a:srgbClr val="000000">
+                <a:alpha val="32000"/>
+              </a:srgbClr>
+            </a:outerShdw>
+          </a:effectLst>
+          <a:scene3d>
+            <a:camera prst="orthographicFront">
+              <a:rot lat="0" lon="0" rev="0"/>
+            </a:camera>
+            <a:lightRig rig="balanced" dir="t">
+              <a:rot lat="0" lon="0" rev="8700000"/>
+            </a:lightRig>
+          </a:scene3d>
+          <a:sp3d>
+            <a:bevelT w="190500" h="38100"/>
+          </a:sp3d>
+        </p:spPr>
+        <p:style>
+          <a:lnRef idx="2">
+            <a:schemeClr val="accent1">
+              <a:shade val="50000"/>
+            </a:schemeClr>
+          </a:lnRef>
+          <a:fillRef idx="1">
+            <a:schemeClr val="accent1"/>
+          </a:fillRef>
+          <a:effectRef idx="0">
+            <a:schemeClr val="accent1"/>
+          </a:effectRef>
+          <a:fontRef idx="minor">
+            <a:schemeClr val="lt1"/>
+          </a:fontRef>
+        </p:style>
+        <p:txBody>
+          <a:bodyPr rtlCol="0" anchor="ctr"/>
+          <a:lstStyle/>
+          <a:p>
+            <a:pPr algn="ctr"/>
+            <a:r>
+              <a:rPr lang="en-US" dirty="0"/>
+              <a:t>Conv2D </a:t>
+            </a:r>
+            <a:r>
+              <a:rPr lang="en-US" dirty="0">
+                <a:sym typeface="Wingdings" panose="05000000000000000000" pitchFamily="2" charset="2"/>
+              </a:rPr>
+              <a:t> 32, (3, 3), </a:t>
+            </a:r>
+            <a:r>
+              <a:rPr lang="en-US" dirty="0" err="1">
+                <a:sym typeface="Wingdings" panose="05000000000000000000" pitchFamily="2" charset="2"/>
+              </a:rPr>
+              <a:t>relu</a:t>
+            </a:r>
+            <a:endParaRPr lang="en-US" dirty="0"/>
+          </a:p>
+        </p:txBody>
+      </p:sp>
+      <p:sp>
+        <p:nvSpPr>
+          <p:cNvPr id="26" name="Rectangle: Rounded Corners 25">
+            <a:extLst>
+              <a:ext uri="{FF2B5EF4-FFF2-40B4-BE49-F238E27FC236}">
+                <a16:creationId xmlns:a16="http://schemas.microsoft.com/office/drawing/2014/main" id="{C79283D8-E672-477E-B979-FBEF413CF6CE}"/>
+              </a:ext>
+            </a:extLst>
+          </p:cNvPr>
+          <p:cNvSpPr/>
+          <p:nvPr/>
+        </p:nvSpPr>
+        <p:spPr>
+          <a:xfrm>
+            <a:off x="6232127" y="3641757"/>
+            <a:ext cx="2526018" cy="448235"/>
+          </a:xfrm>
+          <a:prstGeom prst="roundRect">
+            <a:avLst/>
+          </a:prstGeom>
+          <a:solidFill>
+            <a:schemeClr val="accent2">
+              <a:lumMod val="75000"/>
+            </a:schemeClr>
+          </a:solidFill>
+          <a:ln>
+            <a:noFill/>
+          </a:ln>
+          <a:effectLst>
+            <a:outerShdw blurRad="44450" dist="27940" dir="5400000" algn="ctr">
+              <a:srgbClr val="000000">
+                <a:alpha val="32000"/>
+              </a:srgbClr>
+            </a:outerShdw>
+          </a:effectLst>
+          <a:scene3d>
+            <a:camera prst="orthographicFront">
+              <a:rot lat="0" lon="0" rev="0"/>
+            </a:camera>
+            <a:lightRig rig="balanced" dir="t">
+              <a:rot lat="0" lon="0" rev="8700000"/>
+            </a:lightRig>
+          </a:scene3d>
+          <a:sp3d>
+            <a:bevelT w="190500" h="38100"/>
+          </a:sp3d>
+        </p:spPr>
+        <p:style>
+          <a:lnRef idx="2">
+            <a:schemeClr val="accent1">
+              <a:shade val="50000"/>
+            </a:schemeClr>
+          </a:lnRef>
+          <a:fillRef idx="1">
+            <a:schemeClr val="accent1"/>
+          </a:fillRef>
+          <a:effectRef idx="0">
+            <a:schemeClr val="accent1"/>
+          </a:effectRef>
+          <a:fontRef idx="minor">
+            <a:schemeClr val="lt1"/>
+          </a:fontRef>
+        </p:style>
+        <p:txBody>
+          <a:bodyPr rtlCol="0" anchor="ctr"/>
+          <a:lstStyle/>
+          <a:p>
+            <a:pPr algn="ctr"/>
+            <a:r>
+              <a:rPr lang="en-US" dirty="0" err="1"/>
+              <a:t>MaxPooling</a:t>
+            </a:r>
+            <a:r>
+              <a:rPr lang="en-US" dirty="0"/>
+              <a:t> </a:t>
+            </a:r>
+            <a:r>
+              <a:rPr lang="en-US" dirty="0">
+                <a:sym typeface="Wingdings" panose="05000000000000000000" pitchFamily="2" charset="2"/>
+              </a:rPr>
+              <a:t> (2, 2)</a:t>
+            </a:r>
+            <a:endParaRPr lang="en-US" dirty="0"/>
+          </a:p>
+        </p:txBody>
+      </p:sp>
+      <p:sp>
+        <p:nvSpPr>
+          <p:cNvPr id="27" name="Rectangle: Rounded Corners 26">
+            <a:extLst>
+              <a:ext uri="{FF2B5EF4-FFF2-40B4-BE49-F238E27FC236}">
+                <a16:creationId xmlns:a16="http://schemas.microsoft.com/office/drawing/2014/main" id="{E8A01E86-98CC-4894-9BCC-B72D3B802515}"/>
+              </a:ext>
+            </a:extLst>
+          </p:cNvPr>
+          <p:cNvSpPr/>
+          <p:nvPr/>
+        </p:nvSpPr>
+        <p:spPr>
+          <a:xfrm>
+            <a:off x="6232127" y="4701671"/>
+            <a:ext cx="2526018" cy="448235"/>
+          </a:xfrm>
+          <a:prstGeom prst="roundRect">
+            <a:avLst/>
+          </a:prstGeom>
+          <a:solidFill>
+            <a:schemeClr val="accent2">
+              <a:lumMod val="75000"/>
+            </a:schemeClr>
+          </a:solidFill>
+          <a:ln>
+            <a:noFill/>
+          </a:ln>
+          <a:effectLst>
+            <a:outerShdw blurRad="44450" dist="27940" dir="5400000" algn="ctr">
+              <a:srgbClr val="000000">
+                <a:alpha val="32000"/>
+              </a:srgbClr>
+            </a:outerShdw>
+          </a:effectLst>
+          <a:scene3d>
+            <a:camera prst="orthographicFront">
+              <a:rot lat="0" lon="0" rev="0"/>
+            </a:camera>
+            <a:lightRig rig="balanced" dir="t">
+              <a:rot lat="0" lon="0" rev="8700000"/>
+            </a:lightRig>
+          </a:scene3d>
+          <a:sp3d>
+            <a:bevelT w="190500" h="38100"/>
+          </a:sp3d>
+        </p:spPr>
+        <p:style>
+          <a:lnRef idx="2">
+            <a:schemeClr val="accent1">
+              <a:shade val="50000"/>
+            </a:schemeClr>
+          </a:lnRef>
+          <a:fillRef idx="1">
+            <a:schemeClr val="accent1"/>
+          </a:fillRef>
+          <a:effectRef idx="0">
+            <a:schemeClr val="accent1"/>
+          </a:effectRef>
+          <a:fontRef idx="minor">
+            <a:schemeClr val="lt1"/>
+          </a:fontRef>
+        </p:style>
+        <p:txBody>
+          <a:bodyPr rtlCol="0" anchor="ctr"/>
+          <a:lstStyle/>
+          <a:p>
+            <a:pPr algn="ctr"/>
+            <a:r>
+              <a:rPr lang="en-US" dirty="0" err="1"/>
+              <a:t>MaxPooling</a:t>
+            </a:r>
+            <a:r>
+              <a:rPr lang="en-US" dirty="0"/>
+              <a:t> </a:t>
+            </a:r>
+            <a:r>
+              <a:rPr lang="en-US" dirty="0">
+                <a:sym typeface="Wingdings" panose="05000000000000000000" pitchFamily="2" charset="2"/>
+              </a:rPr>
+              <a:t> (2, 2)</a:t>
+            </a:r>
+            <a:endParaRPr lang="en-US" dirty="0"/>
+          </a:p>
+        </p:txBody>
+      </p:sp>
     </p:spTree>
     <p:extLst>
       <p:ext uri="{BB962C8B-B14F-4D97-AF65-F5344CB8AC3E}">
@@ -7452,306 +7654,6 @@
           </a:fontRef>
         </p:style>
       </p:cxnSp>
-      <p:sp>
-        <p:nvSpPr>
-          <p:cNvPr id="19" name="TextBox 18">
-            <a:extLst>
-              <a:ext uri="{FF2B5EF4-FFF2-40B4-BE49-F238E27FC236}">
-                <a16:creationId xmlns:a16="http://schemas.microsoft.com/office/drawing/2014/main" id="{E5FFE5F6-8EF4-4567-BF4E-AC282040C65C}"/>
-              </a:ext>
-            </a:extLst>
-          </p:cNvPr>
-          <p:cNvSpPr txBox="1"/>
-          <p:nvPr/>
-        </p:nvSpPr>
-        <p:spPr>
-          <a:xfrm>
-            <a:off x="4013714" y="950015"/>
-            <a:ext cx="7641774" cy="5632311"/>
-          </a:xfrm>
-          <a:prstGeom prst="rect">
-            <a:avLst/>
-          </a:prstGeom>
-          <a:noFill/>
-        </p:spPr>
-        <p:txBody>
-          <a:bodyPr wrap="square" rtlCol="0">
-            <a:spAutoFit/>
-          </a:bodyPr>
-          <a:lstStyle/>
-          <a:p>
-            <a:r>
-              <a:rPr lang="en-US" dirty="0"/>
-              <a:t>model = Sequential()</a:t>
-            </a:r>
-          </a:p>
-          <a:p>
-            <a:endParaRPr lang="en-US" dirty="0"/>
-          </a:p>
-          <a:p>
-            <a:r>
-              <a:rPr lang="en-US" dirty="0" err="1"/>
-              <a:t>model.add</a:t>
-            </a:r>
-            <a:r>
-              <a:rPr lang="en-US" dirty="0"/>
-              <a:t>(Conv2D(32, (3, 3), padding='same’, 							</a:t>
-            </a:r>
-            <a:r>
-              <a:rPr lang="en-US" dirty="0" err="1"/>
-              <a:t>input_shape</a:t>
-            </a:r>
-            <a:r>
-              <a:rPr lang="en-US" dirty="0"/>
-              <a:t>=(3,IMG_SIZE, IMG_SIZE),</a:t>
-            </a:r>
-          </a:p>
-          <a:p>
-            <a:r>
-              <a:rPr lang="en-US" dirty="0"/>
-              <a:t>				 activation='</a:t>
-            </a:r>
-            <a:r>
-              <a:rPr lang="en-US" dirty="0" err="1"/>
-              <a:t>relu</a:t>
-            </a:r>
-            <a:r>
-              <a:rPr lang="en-US" dirty="0"/>
-              <a:t>'))</a:t>
-            </a:r>
-          </a:p>
-          <a:p>
-            <a:r>
-              <a:rPr lang="en-US" dirty="0" err="1"/>
-              <a:t>model.add</a:t>
-            </a:r>
-            <a:r>
-              <a:rPr lang="en-US" dirty="0"/>
-              <a:t>(Conv2D(32, (3, 3), activation='</a:t>
-            </a:r>
-            <a:r>
-              <a:rPr lang="en-US" dirty="0" err="1"/>
-              <a:t>relu</a:t>
-            </a:r>
-            <a:r>
-              <a:rPr lang="en-US" dirty="0"/>
-              <a:t>'))</a:t>
-            </a:r>
-          </a:p>
-          <a:p>
-            <a:r>
-              <a:rPr lang="en-US" dirty="0" err="1"/>
-              <a:t>model.add</a:t>
-            </a:r>
-            <a:r>
-              <a:rPr lang="en-US" dirty="0"/>
-              <a:t>(MaxPooling2D(</a:t>
-            </a:r>
-            <a:r>
-              <a:rPr lang="en-US" dirty="0" err="1"/>
-              <a:t>pool_size</a:t>
-            </a:r>
-            <a:r>
-              <a:rPr lang="en-US" dirty="0"/>
-              <a:t>=(2, 2)))</a:t>
-            </a:r>
-          </a:p>
-          <a:p>
-            <a:r>
-              <a:rPr lang="en-US" dirty="0" err="1"/>
-              <a:t>model.add</a:t>
-            </a:r>
-            <a:r>
-              <a:rPr lang="en-US" dirty="0"/>
-              <a:t>(Dropout(0.2))</a:t>
-            </a:r>
-          </a:p>
-          <a:p>
-            <a:r>
-              <a:rPr lang="en-US" dirty="0" err="1"/>
-              <a:t>model.add</a:t>
-            </a:r>
-            <a:r>
-              <a:rPr lang="en-US" dirty="0"/>
-              <a:t>(Conv2D(64, (3, 3), padding='same', activation='</a:t>
-            </a:r>
-            <a:r>
-              <a:rPr lang="en-US" dirty="0" err="1"/>
-              <a:t>relu</a:t>
-            </a:r>
-            <a:r>
-              <a:rPr lang="en-US" dirty="0"/>
-              <a:t>'))</a:t>
-            </a:r>
-          </a:p>
-          <a:p>
-            <a:r>
-              <a:rPr lang="en-US" dirty="0" err="1"/>
-              <a:t>model.add</a:t>
-            </a:r>
-            <a:r>
-              <a:rPr lang="en-US" dirty="0"/>
-              <a:t>(Conv2D(64, (3, 3), activation='</a:t>
-            </a:r>
-            <a:r>
-              <a:rPr lang="en-US" dirty="0" err="1"/>
-              <a:t>relu</a:t>
-            </a:r>
-            <a:r>
-              <a:rPr lang="en-US" dirty="0"/>
-              <a:t>'))</a:t>
-            </a:r>
-          </a:p>
-          <a:p>
-            <a:r>
-              <a:rPr lang="en-US" dirty="0" err="1"/>
-              <a:t>model.add</a:t>
-            </a:r>
-            <a:r>
-              <a:rPr lang="en-US" dirty="0"/>
-              <a:t>(MaxPooling2D(</a:t>
-            </a:r>
-            <a:r>
-              <a:rPr lang="en-US" dirty="0" err="1"/>
-              <a:t>pool_size</a:t>
-            </a:r>
-            <a:r>
-              <a:rPr lang="en-US" dirty="0"/>
-              <a:t>=(2, 2)))</a:t>
-            </a:r>
-          </a:p>
-          <a:p>
-            <a:r>
-              <a:rPr lang="en-US" dirty="0" err="1"/>
-              <a:t>model.add</a:t>
-            </a:r>
-            <a:r>
-              <a:rPr lang="en-US" dirty="0"/>
-              <a:t>(Dropout(0.2))</a:t>
-            </a:r>
-          </a:p>
-          <a:p>
-            <a:r>
-              <a:rPr lang="en-US" dirty="0" err="1"/>
-              <a:t>model.add</a:t>
-            </a:r>
-            <a:r>
-              <a:rPr lang="en-US" dirty="0"/>
-              <a:t>(Conv2D(128, (3, 3), padding='same', activation='</a:t>
-            </a:r>
-            <a:r>
-              <a:rPr lang="en-US" dirty="0" err="1"/>
-              <a:t>relu</a:t>
-            </a:r>
-            <a:r>
-              <a:rPr lang="en-US" dirty="0"/>
-              <a:t>'))</a:t>
-            </a:r>
-          </a:p>
-          <a:p>
-            <a:r>
-              <a:rPr lang="en-US" dirty="0" err="1"/>
-              <a:t>model.add</a:t>
-            </a:r>
-            <a:r>
-              <a:rPr lang="en-US" dirty="0"/>
-              <a:t>(Conv2D(128, (3, 3), activation='</a:t>
-            </a:r>
-            <a:r>
-              <a:rPr lang="en-US" dirty="0" err="1"/>
-              <a:t>relu</a:t>
-            </a:r>
-            <a:r>
-              <a:rPr lang="en-US" dirty="0"/>
-              <a:t>'))</a:t>
-            </a:r>
-          </a:p>
-          <a:p>
-            <a:r>
-              <a:rPr lang="en-US" dirty="0" err="1"/>
-              <a:t>model.add</a:t>
-            </a:r>
-            <a:r>
-              <a:rPr lang="en-US" dirty="0"/>
-              <a:t>(MaxPooling2D(</a:t>
-            </a:r>
-            <a:r>
-              <a:rPr lang="en-US" dirty="0" err="1"/>
-              <a:t>pool_size</a:t>
-            </a:r>
-            <a:r>
-              <a:rPr lang="en-US" dirty="0"/>
-              <a:t>=(2, 2)))</a:t>
-            </a:r>
-          </a:p>
-          <a:p>
-            <a:r>
-              <a:rPr lang="en-US" dirty="0" err="1"/>
-              <a:t>model.add</a:t>
-            </a:r>
-            <a:r>
-              <a:rPr lang="en-US" dirty="0"/>
-              <a:t>(Dropout(0.2))</a:t>
-            </a:r>
-          </a:p>
-          <a:p>
-            <a:r>
-              <a:rPr lang="en-US" dirty="0" err="1"/>
-              <a:t>model.add</a:t>
-            </a:r>
-            <a:r>
-              <a:rPr lang="en-US" dirty="0"/>
-              <a:t>(Flatten())</a:t>
-            </a:r>
-          </a:p>
-          <a:p>
-            <a:r>
-              <a:rPr lang="en-US" dirty="0" err="1"/>
-              <a:t>model.add</a:t>
-            </a:r>
-            <a:r>
-              <a:rPr lang="en-US" dirty="0"/>
-              <a:t>(Dense(512, activation='</a:t>
-            </a:r>
-            <a:r>
-              <a:rPr lang="en-US" dirty="0" err="1"/>
-              <a:t>relu</a:t>
-            </a:r>
-            <a:r>
-              <a:rPr lang="en-US" dirty="0"/>
-              <a:t>'))</a:t>
-            </a:r>
-          </a:p>
-          <a:p>
-            <a:r>
-              <a:rPr lang="en-US" dirty="0" err="1"/>
-              <a:t>model.add</a:t>
-            </a:r>
-            <a:r>
-              <a:rPr lang="en-US" dirty="0"/>
-              <a:t>(Dropout(0.5))</a:t>
-            </a:r>
-          </a:p>
-          <a:p>
-            <a:r>
-              <a:rPr lang="en-US" dirty="0" err="1"/>
-              <a:t>model.add</a:t>
-            </a:r>
-            <a:r>
-              <a:rPr lang="en-US" dirty="0"/>
-              <a:t>(Dense(NUM_CLASSES, activation='</a:t>
-            </a:r>
-            <a:r>
-              <a:rPr lang="en-US" dirty="0" err="1"/>
-              <a:t>softmax</a:t>
-            </a:r>
-            <a:r>
-              <a:rPr lang="en-US" dirty="0"/>
-              <a:t>'))</a:t>
-            </a:r>
-          </a:p>
-        </p:txBody>
-      </p:sp>
       <p:cxnSp>
         <p:nvCxnSpPr>
           <p:cNvPr id="21" name="Straight Arrow Connector 20">
@@ -7762,8 +7664,8 @@
             </a:extLst>
           </p:cNvPr>
           <p:cNvCxnSpPr>
+            <a:cxnSpLocks/>
             <a:stCxn id="11" idx="3"/>
-            <a:endCxn id="19" idx="1"/>
           </p:cNvCxnSpPr>
           <p:nvPr/>
         </p:nvCxnSpPr>
@@ -7963,6 +7865,774 @@
           </a:fontRef>
         </p:style>
       </p:cxnSp>
+      <p:sp>
+        <p:nvSpPr>
+          <p:cNvPr id="18" name="Rectangle: Rounded Corners 17">
+            <a:extLst>
+              <a:ext uri="{FF2B5EF4-FFF2-40B4-BE49-F238E27FC236}">
+                <a16:creationId xmlns:a16="http://schemas.microsoft.com/office/drawing/2014/main" id="{44F46D20-5616-4D99-828A-35411B9F0715}"/>
+              </a:ext>
+            </a:extLst>
+          </p:cNvPr>
+          <p:cNvSpPr/>
+          <p:nvPr/>
+        </p:nvSpPr>
+        <p:spPr>
+          <a:xfrm>
+            <a:off x="4094659" y="1520606"/>
+            <a:ext cx="2526018" cy="448235"/>
+          </a:xfrm>
+          <a:prstGeom prst="roundRect">
+            <a:avLst/>
+          </a:prstGeom>
+          <a:solidFill>
+            <a:schemeClr val="accent2">
+              <a:lumMod val="75000"/>
+            </a:schemeClr>
+          </a:solidFill>
+          <a:ln>
+            <a:noFill/>
+          </a:ln>
+          <a:effectLst>
+            <a:outerShdw blurRad="44450" dist="27940" dir="5400000" algn="ctr">
+              <a:srgbClr val="000000">
+                <a:alpha val="32000"/>
+              </a:srgbClr>
+            </a:outerShdw>
+          </a:effectLst>
+          <a:scene3d>
+            <a:camera prst="orthographicFront">
+              <a:rot lat="0" lon="0" rev="0"/>
+            </a:camera>
+            <a:lightRig rig="balanced" dir="t">
+              <a:rot lat="0" lon="0" rev="8700000"/>
+            </a:lightRig>
+          </a:scene3d>
+          <a:sp3d>
+            <a:bevelT w="190500" h="38100"/>
+          </a:sp3d>
+        </p:spPr>
+        <p:style>
+          <a:lnRef idx="2">
+            <a:schemeClr val="accent1">
+              <a:shade val="50000"/>
+            </a:schemeClr>
+          </a:lnRef>
+          <a:fillRef idx="1">
+            <a:schemeClr val="accent1"/>
+          </a:fillRef>
+          <a:effectRef idx="0">
+            <a:schemeClr val="accent1"/>
+          </a:effectRef>
+          <a:fontRef idx="minor">
+            <a:schemeClr val="lt1"/>
+          </a:fontRef>
+        </p:style>
+        <p:txBody>
+          <a:bodyPr rtlCol="0" anchor="ctr"/>
+          <a:lstStyle/>
+          <a:p>
+            <a:pPr algn="ctr"/>
+            <a:r>
+              <a:rPr lang="en-US" dirty="0"/>
+              <a:t>Conv2D </a:t>
+            </a:r>
+            <a:r>
+              <a:rPr lang="en-US" dirty="0">
+                <a:sym typeface="Wingdings" panose="05000000000000000000" pitchFamily="2" charset="2"/>
+              </a:rPr>
+              <a:t> 8, (3, 3), </a:t>
+            </a:r>
+            <a:r>
+              <a:rPr lang="en-US" dirty="0" err="1">
+                <a:sym typeface="Wingdings" panose="05000000000000000000" pitchFamily="2" charset="2"/>
+              </a:rPr>
+              <a:t>relu</a:t>
+            </a:r>
+            <a:endParaRPr lang="en-US" dirty="0"/>
+          </a:p>
+        </p:txBody>
+      </p:sp>
+      <p:sp>
+        <p:nvSpPr>
+          <p:cNvPr id="20" name="Rectangle: Rounded Corners 19">
+            <a:extLst>
+              <a:ext uri="{FF2B5EF4-FFF2-40B4-BE49-F238E27FC236}">
+                <a16:creationId xmlns:a16="http://schemas.microsoft.com/office/drawing/2014/main" id="{132FB177-C010-4624-938A-171085F9C623}"/>
+              </a:ext>
+            </a:extLst>
+          </p:cNvPr>
+          <p:cNvSpPr/>
+          <p:nvPr/>
+        </p:nvSpPr>
+        <p:spPr>
+          <a:xfrm>
+            <a:off x="4097467" y="2980765"/>
+            <a:ext cx="2673354" cy="448235"/>
+          </a:xfrm>
+          <a:prstGeom prst="roundRect">
+            <a:avLst/>
+          </a:prstGeom>
+          <a:solidFill>
+            <a:schemeClr val="accent2">
+              <a:lumMod val="75000"/>
+            </a:schemeClr>
+          </a:solidFill>
+          <a:ln>
+            <a:noFill/>
+          </a:ln>
+          <a:effectLst>
+            <a:outerShdw blurRad="44450" dist="27940" dir="5400000" algn="ctr">
+              <a:srgbClr val="000000">
+                <a:alpha val="32000"/>
+              </a:srgbClr>
+            </a:outerShdw>
+          </a:effectLst>
+          <a:scene3d>
+            <a:camera prst="orthographicFront">
+              <a:rot lat="0" lon="0" rev="0"/>
+            </a:camera>
+            <a:lightRig rig="balanced" dir="t">
+              <a:rot lat="0" lon="0" rev="8700000"/>
+            </a:lightRig>
+          </a:scene3d>
+          <a:sp3d>
+            <a:bevelT w="190500" h="38100"/>
+          </a:sp3d>
+        </p:spPr>
+        <p:style>
+          <a:lnRef idx="2">
+            <a:schemeClr val="accent1">
+              <a:shade val="50000"/>
+            </a:schemeClr>
+          </a:lnRef>
+          <a:fillRef idx="1">
+            <a:schemeClr val="accent1"/>
+          </a:fillRef>
+          <a:effectRef idx="0">
+            <a:schemeClr val="accent1"/>
+          </a:effectRef>
+          <a:fontRef idx="minor">
+            <a:schemeClr val="lt1"/>
+          </a:fontRef>
+        </p:style>
+        <p:txBody>
+          <a:bodyPr rtlCol="0" anchor="ctr"/>
+          <a:lstStyle/>
+          <a:p>
+            <a:pPr algn="ctr"/>
+            <a:r>
+              <a:rPr lang="en-US" dirty="0"/>
+              <a:t>Conv2D </a:t>
+            </a:r>
+            <a:r>
+              <a:rPr lang="en-US" dirty="0">
+                <a:sym typeface="Wingdings" panose="05000000000000000000" pitchFamily="2" charset="2"/>
+              </a:rPr>
+              <a:t> 16, (3, 3), </a:t>
+            </a:r>
+            <a:r>
+              <a:rPr lang="en-US" dirty="0" err="1">
+                <a:sym typeface="Wingdings" panose="05000000000000000000" pitchFamily="2" charset="2"/>
+              </a:rPr>
+              <a:t>relu</a:t>
+            </a:r>
+            <a:endParaRPr lang="en-US" dirty="0"/>
+          </a:p>
+        </p:txBody>
+      </p:sp>
+      <p:sp>
+        <p:nvSpPr>
+          <p:cNvPr id="22" name="Rectangle: Rounded Corners 21">
+            <a:extLst>
+              <a:ext uri="{FF2B5EF4-FFF2-40B4-BE49-F238E27FC236}">
+                <a16:creationId xmlns:a16="http://schemas.microsoft.com/office/drawing/2014/main" id="{587EBA53-3769-4F04-88B1-01C0A3F0441D}"/>
+              </a:ext>
+            </a:extLst>
+          </p:cNvPr>
+          <p:cNvSpPr/>
+          <p:nvPr/>
+        </p:nvSpPr>
+        <p:spPr>
+          <a:xfrm>
+            <a:off x="4140747" y="4476466"/>
+            <a:ext cx="2673354" cy="448235"/>
+          </a:xfrm>
+          <a:prstGeom prst="roundRect">
+            <a:avLst/>
+          </a:prstGeom>
+          <a:solidFill>
+            <a:schemeClr val="accent2">
+              <a:lumMod val="75000"/>
+            </a:schemeClr>
+          </a:solidFill>
+          <a:ln>
+            <a:noFill/>
+          </a:ln>
+          <a:effectLst>
+            <a:outerShdw blurRad="44450" dist="27940" dir="5400000" algn="ctr">
+              <a:srgbClr val="000000">
+                <a:alpha val="32000"/>
+              </a:srgbClr>
+            </a:outerShdw>
+          </a:effectLst>
+          <a:scene3d>
+            <a:camera prst="orthographicFront">
+              <a:rot lat="0" lon="0" rev="0"/>
+            </a:camera>
+            <a:lightRig rig="balanced" dir="t">
+              <a:rot lat="0" lon="0" rev="8700000"/>
+            </a:lightRig>
+          </a:scene3d>
+          <a:sp3d>
+            <a:bevelT w="190500" h="38100"/>
+          </a:sp3d>
+        </p:spPr>
+        <p:style>
+          <a:lnRef idx="2">
+            <a:schemeClr val="accent1">
+              <a:shade val="50000"/>
+            </a:schemeClr>
+          </a:lnRef>
+          <a:fillRef idx="1">
+            <a:schemeClr val="accent1"/>
+          </a:fillRef>
+          <a:effectRef idx="0">
+            <a:schemeClr val="accent1"/>
+          </a:effectRef>
+          <a:fontRef idx="minor">
+            <a:schemeClr val="lt1"/>
+          </a:fontRef>
+        </p:style>
+        <p:txBody>
+          <a:bodyPr rtlCol="0" anchor="ctr"/>
+          <a:lstStyle/>
+          <a:p>
+            <a:pPr algn="ctr"/>
+            <a:r>
+              <a:rPr lang="en-US" dirty="0"/>
+              <a:t>Conv2D </a:t>
+            </a:r>
+            <a:r>
+              <a:rPr lang="en-US" dirty="0">
+                <a:sym typeface="Wingdings" panose="05000000000000000000" pitchFamily="2" charset="2"/>
+              </a:rPr>
+              <a:t> 32, (3, 3), </a:t>
+            </a:r>
+            <a:r>
+              <a:rPr lang="en-US" dirty="0" err="1">
+                <a:sym typeface="Wingdings" panose="05000000000000000000" pitchFamily="2" charset="2"/>
+              </a:rPr>
+              <a:t>relu</a:t>
+            </a:r>
+            <a:endParaRPr lang="en-US" dirty="0"/>
+          </a:p>
+        </p:txBody>
+      </p:sp>
+      <p:sp>
+        <p:nvSpPr>
+          <p:cNvPr id="24" name="Rectangle: Rounded Corners 23">
+            <a:extLst>
+              <a:ext uri="{FF2B5EF4-FFF2-40B4-BE49-F238E27FC236}">
+                <a16:creationId xmlns:a16="http://schemas.microsoft.com/office/drawing/2014/main" id="{937CDFDE-CF9B-449C-9A23-F84CE166D925}"/>
+              </a:ext>
+            </a:extLst>
+          </p:cNvPr>
+          <p:cNvSpPr/>
+          <p:nvPr/>
+        </p:nvSpPr>
+        <p:spPr>
+          <a:xfrm>
+            <a:off x="4097467" y="2056718"/>
+            <a:ext cx="2526018" cy="448235"/>
+          </a:xfrm>
+          <a:prstGeom prst="roundRect">
+            <a:avLst/>
+          </a:prstGeom>
+          <a:solidFill>
+            <a:schemeClr val="accent2">
+              <a:lumMod val="75000"/>
+            </a:schemeClr>
+          </a:solidFill>
+          <a:ln>
+            <a:noFill/>
+          </a:ln>
+          <a:effectLst>
+            <a:outerShdw blurRad="44450" dist="27940" dir="5400000" algn="ctr">
+              <a:srgbClr val="000000">
+                <a:alpha val="32000"/>
+              </a:srgbClr>
+            </a:outerShdw>
+          </a:effectLst>
+          <a:scene3d>
+            <a:camera prst="orthographicFront">
+              <a:rot lat="0" lon="0" rev="0"/>
+            </a:camera>
+            <a:lightRig rig="balanced" dir="t">
+              <a:rot lat="0" lon="0" rev="8700000"/>
+            </a:lightRig>
+          </a:scene3d>
+          <a:sp3d>
+            <a:bevelT w="190500" h="38100"/>
+          </a:sp3d>
+        </p:spPr>
+        <p:style>
+          <a:lnRef idx="2">
+            <a:schemeClr val="accent1">
+              <a:shade val="50000"/>
+            </a:schemeClr>
+          </a:lnRef>
+          <a:fillRef idx="1">
+            <a:schemeClr val="accent1"/>
+          </a:fillRef>
+          <a:effectRef idx="0">
+            <a:schemeClr val="accent1"/>
+          </a:effectRef>
+          <a:fontRef idx="minor">
+            <a:schemeClr val="lt1"/>
+          </a:fontRef>
+        </p:style>
+        <p:txBody>
+          <a:bodyPr rtlCol="0" anchor="ctr"/>
+          <a:lstStyle/>
+          <a:p>
+            <a:pPr algn="ctr"/>
+            <a:r>
+              <a:rPr lang="en-US" dirty="0" err="1"/>
+              <a:t>MaxPooling</a:t>
+            </a:r>
+            <a:r>
+              <a:rPr lang="en-US" dirty="0"/>
+              <a:t> </a:t>
+            </a:r>
+            <a:r>
+              <a:rPr lang="en-US" dirty="0">
+                <a:sym typeface="Wingdings" panose="05000000000000000000" pitchFamily="2" charset="2"/>
+              </a:rPr>
+              <a:t> (2, 2)</a:t>
+            </a:r>
+            <a:endParaRPr lang="en-US" dirty="0"/>
+          </a:p>
+        </p:txBody>
+      </p:sp>
+      <p:sp>
+        <p:nvSpPr>
+          <p:cNvPr id="26" name="Rectangle: Rounded Corners 25">
+            <a:extLst>
+              <a:ext uri="{FF2B5EF4-FFF2-40B4-BE49-F238E27FC236}">
+                <a16:creationId xmlns:a16="http://schemas.microsoft.com/office/drawing/2014/main" id="{3842D199-46F5-4F2C-BAAD-149C63BF601E}"/>
+              </a:ext>
+            </a:extLst>
+          </p:cNvPr>
+          <p:cNvSpPr/>
+          <p:nvPr/>
+        </p:nvSpPr>
+        <p:spPr>
+          <a:xfrm>
+            <a:off x="4094659" y="3516876"/>
+            <a:ext cx="2526018" cy="448235"/>
+          </a:xfrm>
+          <a:prstGeom prst="roundRect">
+            <a:avLst/>
+          </a:prstGeom>
+          <a:solidFill>
+            <a:schemeClr val="accent2">
+              <a:lumMod val="75000"/>
+            </a:schemeClr>
+          </a:solidFill>
+          <a:ln>
+            <a:noFill/>
+          </a:ln>
+          <a:effectLst>
+            <a:outerShdw blurRad="44450" dist="27940" dir="5400000" algn="ctr">
+              <a:srgbClr val="000000">
+                <a:alpha val="32000"/>
+              </a:srgbClr>
+            </a:outerShdw>
+          </a:effectLst>
+          <a:scene3d>
+            <a:camera prst="orthographicFront">
+              <a:rot lat="0" lon="0" rev="0"/>
+            </a:camera>
+            <a:lightRig rig="balanced" dir="t">
+              <a:rot lat="0" lon="0" rev="8700000"/>
+            </a:lightRig>
+          </a:scene3d>
+          <a:sp3d>
+            <a:bevelT w="190500" h="38100"/>
+          </a:sp3d>
+        </p:spPr>
+        <p:style>
+          <a:lnRef idx="2">
+            <a:schemeClr val="accent1">
+              <a:shade val="50000"/>
+            </a:schemeClr>
+          </a:lnRef>
+          <a:fillRef idx="1">
+            <a:schemeClr val="accent1"/>
+          </a:fillRef>
+          <a:effectRef idx="0">
+            <a:schemeClr val="accent1"/>
+          </a:effectRef>
+          <a:fontRef idx="minor">
+            <a:schemeClr val="lt1"/>
+          </a:fontRef>
+        </p:style>
+        <p:txBody>
+          <a:bodyPr rtlCol="0" anchor="ctr"/>
+          <a:lstStyle/>
+          <a:p>
+            <a:pPr algn="ctr"/>
+            <a:r>
+              <a:rPr lang="en-US" dirty="0" err="1"/>
+              <a:t>MaxPooling</a:t>
+            </a:r>
+            <a:r>
+              <a:rPr lang="en-US" dirty="0"/>
+              <a:t> </a:t>
+            </a:r>
+            <a:r>
+              <a:rPr lang="en-US" dirty="0">
+                <a:sym typeface="Wingdings" panose="05000000000000000000" pitchFamily="2" charset="2"/>
+              </a:rPr>
+              <a:t> (2, 2)</a:t>
+            </a:r>
+            <a:endParaRPr lang="en-US" dirty="0"/>
+          </a:p>
+        </p:txBody>
+      </p:sp>
+      <p:sp>
+        <p:nvSpPr>
+          <p:cNvPr id="28" name="Rectangle: Rounded Corners 27">
+            <a:extLst>
+              <a:ext uri="{FF2B5EF4-FFF2-40B4-BE49-F238E27FC236}">
+                <a16:creationId xmlns:a16="http://schemas.microsoft.com/office/drawing/2014/main" id="{CAD6FD02-A591-4229-9C4A-8AB4E0F86CB9}"/>
+              </a:ext>
+            </a:extLst>
+          </p:cNvPr>
+          <p:cNvSpPr/>
+          <p:nvPr/>
+        </p:nvSpPr>
+        <p:spPr>
+          <a:xfrm>
+            <a:off x="4094659" y="2518741"/>
+            <a:ext cx="2526018" cy="448235"/>
+          </a:xfrm>
+          <a:prstGeom prst="roundRect">
+            <a:avLst/>
+          </a:prstGeom>
+          <a:solidFill>
+            <a:schemeClr val="accent2">
+              <a:lumMod val="75000"/>
+            </a:schemeClr>
+          </a:solidFill>
+          <a:ln>
+            <a:noFill/>
+          </a:ln>
+          <a:effectLst>
+            <a:outerShdw blurRad="44450" dist="27940" dir="5400000" algn="ctr">
+              <a:srgbClr val="000000">
+                <a:alpha val="32000"/>
+              </a:srgbClr>
+            </a:outerShdw>
+          </a:effectLst>
+          <a:scene3d>
+            <a:camera prst="orthographicFront">
+              <a:rot lat="0" lon="0" rev="0"/>
+            </a:camera>
+            <a:lightRig rig="balanced" dir="t">
+              <a:rot lat="0" lon="0" rev="8700000"/>
+            </a:lightRig>
+          </a:scene3d>
+          <a:sp3d>
+            <a:bevelT w="190500" h="38100"/>
+          </a:sp3d>
+        </p:spPr>
+        <p:style>
+          <a:lnRef idx="2">
+            <a:schemeClr val="accent1">
+              <a:shade val="50000"/>
+            </a:schemeClr>
+          </a:lnRef>
+          <a:fillRef idx="1">
+            <a:schemeClr val="accent1"/>
+          </a:fillRef>
+          <a:effectRef idx="0">
+            <a:schemeClr val="accent1"/>
+          </a:effectRef>
+          <a:fontRef idx="minor">
+            <a:schemeClr val="lt1"/>
+          </a:fontRef>
+        </p:style>
+        <p:txBody>
+          <a:bodyPr rtlCol="0" anchor="ctr"/>
+          <a:lstStyle/>
+          <a:p>
+            <a:pPr algn="ctr"/>
+            <a:r>
+              <a:rPr lang="en-US" dirty="0"/>
+              <a:t>Dropout </a:t>
+            </a:r>
+            <a:r>
+              <a:rPr lang="en-US" dirty="0">
+                <a:sym typeface="Wingdings" panose="05000000000000000000" pitchFamily="2" charset="2"/>
+              </a:rPr>
+              <a:t> 0.2</a:t>
+            </a:r>
+            <a:endParaRPr lang="en-US" dirty="0"/>
+          </a:p>
+        </p:txBody>
+      </p:sp>
+      <p:sp>
+        <p:nvSpPr>
+          <p:cNvPr id="30" name="Rectangle: Rounded Corners 29">
+            <a:extLst>
+              <a:ext uri="{FF2B5EF4-FFF2-40B4-BE49-F238E27FC236}">
+                <a16:creationId xmlns:a16="http://schemas.microsoft.com/office/drawing/2014/main" id="{895A8C11-4F06-4003-9C5F-642DF43E0487}"/>
+              </a:ext>
+            </a:extLst>
+          </p:cNvPr>
+          <p:cNvSpPr/>
+          <p:nvPr/>
+        </p:nvSpPr>
+        <p:spPr>
+          <a:xfrm>
+            <a:off x="4094659" y="3996671"/>
+            <a:ext cx="2526018" cy="448235"/>
+          </a:xfrm>
+          <a:prstGeom prst="roundRect">
+            <a:avLst/>
+          </a:prstGeom>
+          <a:solidFill>
+            <a:schemeClr val="accent2">
+              <a:lumMod val="75000"/>
+            </a:schemeClr>
+          </a:solidFill>
+          <a:ln>
+            <a:noFill/>
+          </a:ln>
+          <a:effectLst>
+            <a:outerShdw blurRad="44450" dist="27940" dir="5400000" algn="ctr">
+              <a:srgbClr val="000000">
+                <a:alpha val="32000"/>
+              </a:srgbClr>
+            </a:outerShdw>
+          </a:effectLst>
+          <a:scene3d>
+            <a:camera prst="orthographicFront">
+              <a:rot lat="0" lon="0" rev="0"/>
+            </a:camera>
+            <a:lightRig rig="balanced" dir="t">
+              <a:rot lat="0" lon="0" rev="8700000"/>
+            </a:lightRig>
+          </a:scene3d>
+          <a:sp3d>
+            <a:bevelT w="190500" h="38100"/>
+          </a:sp3d>
+        </p:spPr>
+        <p:style>
+          <a:lnRef idx="2">
+            <a:schemeClr val="accent1">
+              <a:shade val="50000"/>
+            </a:schemeClr>
+          </a:lnRef>
+          <a:fillRef idx="1">
+            <a:schemeClr val="accent1"/>
+          </a:fillRef>
+          <a:effectRef idx="0">
+            <a:schemeClr val="accent1"/>
+          </a:effectRef>
+          <a:fontRef idx="minor">
+            <a:schemeClr val="lt1"/>
+          </a:fontRef>
+        </p:style>
+        <p:txBody>
+          <a:bodyPr rtlCol="0" anchor="ctr"/>
+          <a:lstStyle/>
+          <a:p>
+            <a:pPr algn="ctr"/>
+            <a:r>
+              <a:rPr lang="en-US" dirty="0"/>
+              <a:t>Dropout </a:t>
+            </a:r>
+            <a:r>
+              <a:rPr lang="en-US" dirty="0">
+                <a:sym typeface="Wingdings" panose="05000000000000000000" pitchFamily="2" charset="2"/>
+              </a:rPr>
+              <a:t> 0.2</a:t>
+            </a:r>
+            <a:endParaRPr lang="en-US" dirty="0"/>
+          </a:p>
+        </p:txBody>
+      </p:sp>
+      <p:sp>
+        <p:nvSpPr>
+          <p:cNvPr id="31" name="Rectangle: Rounded Corners 30">
+            <a:extLst>
+              <a:ext uri="{FF2B5EF4-FFF2-40B4-BE49-F238E27FC236}">
+                <a16:creationId xmlns:a16="http://schemas.microsoft.com/office/drawing/2014/main" id="{493563E9-68E0-4566-BF07-034314872689}"/>
+              </a:ext>
+            </a:extLst>
+          </p:cNvPr>
+          <p:cNvSpPr/>
+          <p:nvPr/>
+        </p:nvSpPr>
+        <p:spPr>
+          <a:xfrm>
+            <a:off x="4140747" y="5027167"/>
+            <a:ext cx="2526018" cy="448235"/>
+          </a:xfrm>
+          <a:prstGeom prst="roundRect">
+            <a:avLst/>
+          </a:prstGeom>
+          <a:solidFill>
+            <a:schemeClr val="accent2">
+              <a:lumMod val="75000"/>
+            </a:schemeClr>
+          </a:solidFill>
+          <a:ln>
+            <a:noFill/>
+          </a:ln>
+          <a:effectLst>
+            <a:outerShdw blurRad="44450" dist="27940" dir="5400000" algn="ctr">
+              <a:srgbClr val="000000">
+                <a:alpha val="32000"/>
+              </a:srgbClr>
+            </a:outerShdw>
+          </a:effectLst>
+          <a:scene3d>
+            <a:camera prst="orthographicFront">
+              <a:rot lat="0" lon="0" rev="0"/>
+            </a:camera>
+            <a:lightRig rig="balanced" dir="t">
+              <a:rot lat="0" lon="0" rev="8700000"/>
+            </a:lightRig>
+          </a:scene3d>
+          <a:sp3d>
+            <a:bevelT w="190500" h="38100"/>
+          </a:sp3d>
+        </p:spPr>
+        <p:style>
+          <a:lnRef idx="2">
+            <a:schemeClr val="accent1">
+              <a:shade val="50000"/>
+            </a:schemeClr>
+          </a:lnRef>
+          <a:fillRef idx="1">
+            <a:schemeClr val="accent1"/>
+          </a:fillRef>
+          <a:effectRef idx="0">
+            <a:schemeClr val="accent1"/>
+          </a:effectRef>
+          <a:fontRef idx="minor">
+            <a:schemeClr val="lt1"/>
+          </a:fontRef>
+        </p:style>
+        <p:txBody>
+          <a:bodyPr rtlCol="0" anchor="ctr"/>
+          <a:lstStyle/>
+          <a:p>
+            <a:pPr algn="ctr"/>
+            <a:r>
+              <a:rPr lang="en-US" dirty="0" err="1"/>
+              <a:t>MaxPooling</a:t>
+            </a:r>
+            <a:r>
+              <a:rPr lang="en-US" dirty="0"/>
+              <a:t> </a:t>
+            </a:r>
+            <a:r>
+              <a:rPr lang="en-US" dirty="0">
+                <a:sym typeface="Wingdings" panose="05000000000000000000" pitchFamily="2" charset="2"/>
+              </a:rPr>
+              <a:t> (2, 2)</a:t>
+            </a:r>
+            <a:endParaRPr lang="en-US" dirty="0"/>
+          </a:p>
+        </p:txBody>
+      </p:sp>
+      <p:sp>
+        <p:nvSpPr>
+          <p:cNvPr id="32" name="Rectangle: Rounded Corners 31">
+            <a:extLst>
+              <a:ext uri="{FF2B5EF4-FFF2-40B4-BE49-F238E27FC236}">
+                <a16:creationId xmlns:a16="http://schemas.microsoft.com/office/drawing/2014/main" id="{11BDC8AF-FF4B-4157-88CA-D537FFA6C039}"/>
+              </a:ext>
+            </a:extLst>
+          </p:cNvPr>
+          <p:cNvSpPr/>
+          <p:nvPr/>
+        </p:nvSpPr>
+        <p:spPr>
+          <a:xfrm>
+            <a:off x="4140747" y="5506962"/>
+            <a:ext cx="2526018" cy="448235"/>
+          </a:xfrm>
+          <a:prstGeom prst="roundRect">
+            <a:avLst/>
+          </a:prstGeom>
+          <a:solidFill>
+            <a:schemeClr val="accent2">
+              <a:lumMod val="75000"/>
+            </a:schemeClr>
+          </a:solidFill>
+          <a:ln>
+            <a:noFill/>
+          </a:ln>
+          <a:effectLst>
+            <a:outerShdw blurRad="44450" dist="27940" dir="5400000" algn="ctr">
+              <a:srgbClr val="000000">
+                <a:alpha val="32000"/>
+              </a:srgbClr>
+            </a:outerShdw>
+          </a:effectLst>
+          <a:scene3d>
+            <a:camera prst="orthographicFront">
+              <a:rot lat="0" lon="0" rev="0"/>
+            </a:camera>
+            <a:lightRig rig="balanced" dir="t">
+              <a:rot lat="0" lon="0" rev="8700000"/>
+            </a:lightRig>
+          </a:scene3d>
+          <a:sp3d>
+            <a:bevelT w="190500" h="38100"/>
+          </a:sp3d>
+        </p:spPr>
+        <p:style>
+          <a:lnRef idx="2">
+            <a:schemeClr val="accent1">
+              <a:shade val="50000"/>
+            </a:schemeClr>
+          </a:lnRef>
+          <a:fillRef idx="1">
+            <a:schemeClr val="accent1"/>
+          </a:fillRef>
+          <a:effectRef idx="0">
+            <a:schemeClr val="accent1"/>
+          </a:effectRef>
+          <a:fontRef idx="minor">
+            <a:schemeClr val="lt1"/>
+          </a:fontRef>
+        </p:style>
+        <p:txBody>
+          <a:bodyPr rtlCol="0" anchor="ctr"/>
+          <a:lstStyle/>
+          <a:p>
+            <a:pPr algn="ctr"/>
+            <a:r>
+              <a:rPr lang="en-US" dirty="0"/>
+              <a:t>Dropout </a:t>
+            </a:r>
+            <a:r>
+              <a:rPr lang="en-US" dirty="0">
+                <a:sym typeface="Wingdings" panose="05000000000000000000" pitchFamily="2" charset="2"/>
+              </a:rPr>
+              <a:t> 0.2</a:t>
+            </a:r>
+            <a:endParaRPr lang="en-US" dirty="0"/>
+          </a:p>
+        </p:txBody>
+      </p:sp>
     </p:spTree>
     <p:extLst>
       <p:ext uri="{BB962C8B-B14F-4D97-AF65-F5344CB8AC3E}">
